--- a/Trabalho 2/Apresentação.pptx
+++ b/Trabalho 2/Apresentação.pptx
@@ -116,6 +116,11 @@
       </a:defRPr>
     </a:lvl9pPr>
   </p:defaultTextStyle>
+  <p:extLst>
+    <p:ext uri="{EFAFB233-063F-42B5-8137-9DF3F51BA10A}">
+      <p15:sldGuideLst xmlns:p15="http://schemas.microsoft.com/office/powerpoint/2012/main"/>
+    </p:ext>
+  </p:extLst>
 </p:presentation>
 </file>
 
@@ -201,7 +206,7 @@
           <a:p>
             <a:fld id="{48B216F5-8516-4286-97B6-370FCCD33F13}" type="datetimeFigureOut">
               <a:rPr lang="pt-BR" smtClean="0"/>
-              <a:t>12/11/2016</a:t>
+              <a:t>13/11/2016</a:t>
             </a:fld>
             <a:endParaRPr lang="pt-BR"/>
           </a:p>
@@ -296,7 +301,6 @@
               <a:rPr lang="pt-BR"/>
               <a:t>Quinto nível</a:t>
             </a:r>
-            <a:endParaRPr lang="pt-BR"/>
           </a:p>
         </p:txBody>
       </p:sp>
@@ -655,7 +659,7 @@
           <a:p>
             <a:fld id="{4AAD347D-5ACD-4C99-B74B-A9C85AD731AF}" type="datetimeFigureOut">
               <a:rPr lang="en-US" dirty="0"/>
-              <a:t>11/12/2016</a:t>
+              <a:t>11/13/2016</a:t>
             </a:fld>
             <a:endParaRPr lang="en-US" dirty="0"/>
           </a:p>
@@ -925,7 +929,7 @@
           <a:p>
             <a:fld id="{4509A250-FF31-4206-8172-F9D3106AACB1}" type="datetimeFigureOut">
               <a:rPr lang="en-US" dirty="0"/>
-              <a:t>11/12/2016</a:t>
+              <a:t>11/13/2016</a:t>
             </a:fld>
             <a:endParaRPr lang="en-US" dirty="0"/>
           </a:p>
@@ -1114,7 +1118,7 @@
           <a:p>
             <a:fld id="{4509A250-FF31-4206-8172-F9D3106AACB1}" type="datetimeFigureOut">
               <a:rPr lang="en-US" dirty="0"/>
-              <a:t>11/12/2016</a:t>
+              <a:t>11/13/2016</a:t>
             </a:fld>
             <a:endParaRPr lang="en-US" dirty="0"/>
           </a:p>
@@ -1382,7 +1386,7 @@
           <a:p>
             <a:fld id="{4509A250-FF31-4206-8172-F9D3106AACB1}" type="datetimeFigureOut">
               <a:rPr lang="en-US" dirty="0"/>
-              <a:t>11/12/2016</a:t>
+              <a:t>11/13/2016</a:t>
             </a:fld>
             <a:endParaRPr lang="en-US" dirty="0"/>
           </a:p>
@@ -1718,7 +1722,7 @@
           <a:p>
             <a:fld id="{4509A250-FF31-4206-8172-F9D3106AACB1}" type="datetimeFigureOut">
               <a:rPr lang="en-US" dirty="0"/>
-              <a:t>11/12/2016</a:t>
+              <a:t>11/13/2016</a:t>
             </a:fld>
             <a:endParaRPr lang="en-US" dirty="0"/>
           </a:p>
@@ -2336,7 +2340,7 @@
           <a:p>
             <a:fld id="{4509A250-FF31-4206-8172-F9D3106AACB1}" type="datetimeFigureOut">
               <a:rPr lang="en-US" dirty="0"/>
-              <a:t>11/12/2016</a:t>
+              <a:t>11/13/2016</a:t>
             </a:fld>
             <a:endParaRPr lang="en-US" dirty="0"/>
           </a:p>
@@ -3191,7 +3195,7 @@
           <a:p>
             <a:fld id="{4509A250-FF31-4206-8172-F9D3106AACB1}" type="datetimeFigureOut">
               <a:rPr lang="en-US" dirty="0"/>
-              <a:t>11/12/2016</a:t>
+              <a:t>11/13/2016</a:t>
             </a:fld>
             <a:endParaRPr lang="en-US" dirty="0"/>
           </a:p>
@@ -3356,7 +3360,7 @@
           <a:p>
             <a:fld id="{4509A250-FF31-4206-8172-F9D3106AACB1}" type="datetimeFigureOut">
               <a:rPr lang="en-US" dirty="0"/>
-              <a:t>11/12/2016</a:t>
+              <a:t>11/13/2016</a:t>
             </a:fld>
             <a:endParaRPr lang="en-US" dirty="0"/>
           </a:p>
@@ -3531,7 +3535,7 @@
           <a:p>
             <a:fld id="{4509A250-FF31-4206-8172-F9D3106AACB1}" type="datetimeFigureOut">
               <a:rPr lang="en-US" dirty="0"/>
-              <a:t>11/12/2016</a:t>
+              <a:t>11/13/2016</a:t>
             </a:fld>
             <a:endParaRPr lang="en-US" dirty="0"/>
           </a:p>
@@ -3696,7 +3700,7 @@
           <a:p>
             <a:fld id="{4509A250-FF31-4206-8172-F9D3106AACB1}" type="datetimeFigureOut">
               <a:rPr lang="en-US" dirty="0"/>
-              <a:t>11/12/2016</a:t>
+              <a:t>11/13/2016</a:t>
             </a:fld>
             <a:endParaRPr lang="en-US" dirty="0"/>
           </a:p>
@@ -3938,7 +3942,7 @@
           <a:p>
             <a:fld id="{9796027F-7875-4030-9381-8BD8C4F21935}" type="datetimeFigureOut">
               <a:rPr lang="en-US" dirty="0"/>
-              <a:t>11/12/2016</a:t>
+              <a:t>11/13/2016</a:t>
             </a:fld>
             <a:endParaRPr lang="en-US" dirty="0"/>
           </a:p>
@@ -4225,7 +4229,7 @@
           <a:p>
             <a:fld id="{9796027F-7875-4030-9381-8BD8C4F21935}" type="datetimeFigureOut">
               <a:rPr lang="en-US" dirty="0"/>
-              <a:t>11/12/2016</a:t>
+              <a:t>11/13/2016</a:t>
             </a:fld>
             <a:endParaRPr lang="en-US" dirty="0"/>
           </a:p>
@@ -4664,7 +4668,7 @@
           <a:p>
             <a:fld id="{9796027F-7875-4030-9381-8BD8C4F21935}" type="datetimeFigureOut">
               <a:rPr lang="en-US" dirty="0"/>
-              <a:t>11/12/2016</a:t>
+              <a:t>11/13/2016</a:t>
             </a:fld>
             <a:endParaRPr lang="en-US" dirty="0"/>
           </a:p>
@@ -4777,7 +4781,7 @@
           <a:p>
             <a:fld id="{4509A250-FF31-4206-8172-F9D3106AACB1}" type="datetimeFigureOut">
               <a:rPr lang="en-US" dirty="0"/>
-              <a:t>11/12/2016</a:t>
+              <a:t>11/13/2016</a:t>
             </a:fld>
             <a:endParaRPr lang="en-US" dirty="0"/>
           </a:p>
@@ -4867,7 +4871,7 @@
           <a:p>
             <a:fld id="{4509A250-FF31-4206-8172-F9D3106AACB1}" type="datetimeFigureOut">
               <a:rPr lang="en-US" dirty="0"/>
-              <a:t>11/12/2016</a:t>
+              <a:t>11/13/2016</a:t>
             </a:fld>
             <a:endParaRPr lang="en-US" dirty="0"/>
           </a:p>
@@ -5141,7 +5145,7 @@
           <a:p>
             <a:fld id="{4509A250-FF31-4206-8172-F9D3106AACB1}" type="datetimeFigureOut">
               <a:rPr lang="en-US" dirty="0"/>
-              <a:t>11/12/2016</a:t>
+              <a:t>11/13/2016</a:t>
             </a:fld>
             <a:endParaRPr lang="en-US" dirty="0"/>
           </a:p>
@@ -5411,7 +5415,7 @@
           <a:p>
             <a:fld id="{4509A250-FF31-4206-8172-F9D3106AACB1}" type="datetimeFigureOut">
               <a:rPr lang="en-US" dirty="0"/>
-              <a:t>11/12/2016</a:t>
+              <a:t>11/13/2016</a:t>
             </a:fld>
             <a:endParaRPr lang="en-US" dirty="0"/>
           </a:p>
@@ -5835,7 +5839,7 @@
           <a:p>
             <a:fld id="{4AAD347D-5ACD-4C99-B74B-A9C85AD731AF}" type="datetimeFigureOut">
               <a:rPr lang="en-US" dirty="0"/>
-              <a:t>11/12/2016</a:t>
+              <a:t>11/13/2016</a:t>
             </a:fld>
             <a:endParaRPr lang="en-US" dirty="0"/>
           </a:p>
@@ -6465,7 +6469,7 @@
             </a:br>
             <a:r>
               <a:rPr lang="pt-BR" sz="1800" dirty="0"/>
-              <a:t>1 luz – Iluminação por Fragmento</a:t>
+              <a:t>2 luzes – Iluminação por Fragmento</a:t>
             </a:r>
           </a:p>
         </p:txBody>
@@ -6495,14 +6499,14 @@
             </a:pPr>
             <a:r>
               <a:rPr lang="pt-BR" dirty="0"/>
-              <a:t>      Plástico Preto                           Marfim Preto                            Bronze</a:t>
+              <a:t> Plástico Preto                           Marfim Preto                                    Bronze</a:t>
             </a:r>
           </a:p>
         </p:txBody>
       </p:sp>
       <p:pic>
         <p:nvPicPr>
-          <p:cNvPr id="5" name="Imagem 4"/>
+          <p:cNvPr id="4" name="Imagem 3"/>
           <p:cNvPicPr>
             <a:picLocks noChangeAspect="1"/>
           </p:cNvPicPr>
@@ -6516,8 +6520,8 @@
         </p:blipFill>
         <p:spPr>
           <a:xfrm>
-            <a:off x="8302161" y="1291905"/>
-            <a:ext cx="2570306" cy="4811086"/>
+            <a:off x="1135272" y="1266737"/>
+            <a:ext cx="2892155" cy="4861420"/>
           </a:xfrm>
           <a:prstGeom prst="rect">
             <a:avLst/>
@@ -6526,7 +6530,7 @@
       </p:pic>
       <p:pic>
         <p:nvPicPr>
-          <p:cNvPr id="6" name="Imagem 5"/>
+          <p:cNvPr id="8" name="Imagem 7"/>
           <p:cNvPicPr>
             <a:picLocks noChangeAspect="1"/>
           </p:cNvPicPr>
@@ -6540,8 +6544,8 @@
         </p:blipFill>
         <p:spPr>
           <a:xfrm>
-            <a:off x="5042388" y="1304488"/>
-            <a:ext cx="2560906" cy="4743974"/>
+            <a:off x="4754370" y="1224792"/>
+            <a:ext cx="2784990" cy="4945310"/>
           </a:xfrm>
           <a:prstGeom prst="rect">
             <a:avLst/>
@@ -6550,7 +6554,7 @@
       </p:pic>
       <p:pic>
         <p:nvPicPr>
-          <p:cNvPr id="7" name="Imagem 6"/>
+          <p:cNvPr id="9" name="Imagem 8"/>
           <p:cNvPicPr>
             <a:picLocks noChangeAspect="1"/>
           </p:cNvPicPr>
@@ -6564,8 +6568,8 @@
         </p:blipFill>
         <p:spPr>
           <a:xfrm>
-            <a:off x="1651063" y="1283516"/>
-            <a:ext cx="2692458" cy="4785919"/>
+            <a:off x="8266304" y="1179135"/>
+            <a:ext cx="2913859" cy="5036625"/>
           </a:xfrm>
           <a:prstGeom prst="rect">
             <a:avLst/>
@@ -6677,7 +6681,7 @@
           <a:p>
             <a:r>
               <a:rPr lang="pt-BR" dirty="0"/>
-              <a:t>1 ou 2 fontes luminosas (na câmera e próxima a câmera)</a:t>
+              <a:t>1 ou 2 fontes luminosas (próximas a câmera)</a:t>
             </a:r>
           </a:p>
           <a:p>
@@ -7007,7 +7011,7 @@
       </p:sp>
       <p:pic>
         <p:nvPicPr>
-          <p:cNvPr id="5" name="Imagem 4"/>
+          <p:cNvPr id="3" name="Imagem 2"/>
           <p:cNvPicPr>
             <a:picLocks noChangeAspect="1"/>
           </p:cNvPicPr>
@@ -7021,8 +7025,8 @@
         </p:blipFill>
         <p:spPr>
           <a:xfrm>
-            <a:off x="1821191" y="1373844"/>
-            <a:ext cx="8229643" cy="5041723"/>
+            <a:off x="1864371" y="1476462"/>
+            <a:ext cx="8372513" cy="5102123"/>
           </a:xfrm>
           <a:prstGeom prst="rect">
             <a:avLst/>
@@ -7090,7 +7094,7 @@
       </p:sp>
       <p:pic>
         <p:nvPicPr>
-          <p:cNvPr id="4" name="Imagem 3"/>
+          <p:cNvPr id="3" name="Imagem 2"/>
           <p:cNvPicPr>
             <a:picLocks noChangeAspect="1"/>
           </p:cNvPicPr>
@@ -7104,8 +7108,8 @@
         </p:blipFill>
         <p:spPr>
           <a:xfrm>
-            <a:off x="826491" y="1923045"/>
-            <a:ext cx="4381500" cy="3800475"/>
+            <a:off x="6498584" y="2253185"/>
+            <a:ext cx="4362450" cy="3629025"/>
           </a:xfrm>
           <a:prstGeom prst="rect">
             <a:avLst/>
@@ -7114,7 +7118,7 @@
       </p:pic>
       <p:pic>
         <p:nvPicPr>
-          <p:cNvPr id="5" name="Imagem 4"/>
+          <p:cNvPr id="7" name="Imagem 6"/>
           <p:cNvPicPr>
             <a:picLocks noChangeAspect="1"/>
           </p:cNvPicPr>
@@ -7128,8 +7132,8 @@
         </p:blipFill>
         <p:spPr>
           <a:xfrm>
-            <a:off x="6264347" y="1813507"/>
-            <a:ext cx="4562475" cy="4019550"/>
+            <a:off x="795425" y="2253185"/>
+            <a:ext cx="4410075" cy="3609975"/>
           </a:xfrm>
           <a:prstGeom prst="rect">
             <a:avLst/>
@@ -7197,7 +7201,7 @@
       </p:sp>
       <p:pic>
         <p:nvPicPr>
-          <p:cNvPr id="3" name="Imagem 2"/>
+          <p:cNvPr id="4" name="Imagem 3"/>
           <p:cNvPicPr>
             <a:picLocks noChangeAspect="1"/>
           </p:cNvPicPr>
@@ -7211,8 +7215,8 @@
         </p:blipFill>
         <p:spPr>
           <a:xfrm>
-            <a:off x="877698" y="2096241"/>
-            <a:ext cx="4648200" cy="3990975"/>
+            <a:off x="729667" y="2210540"/>
+            <a:ext cx="4457700" cy="3781425"/>
           </a:xfrm>
           <a:prstGeom prst="rect">
             <a:avLst/>
@@ -7221,7 +7225,7 @@
       </p:pic>
       <p:pic>
         <p:nvPicPr>
-          <p:cNvPr id="6" name="Imagem 5"/>
+          <p:cNvPr id="5" name="Imagem 4"/>
           <p:cNvPicPr>
             <a:picLocks noChangeAspect="1"/>
           </p:cNvPicPr>
@@ -7235,8 +7239,8 @@
         </p:blipFill>
         <p:spPr>
           <a:xfrm>
-            <a:off x="6196319" y="2115291"/>
-            <a:ext cx="4648200" cy="3971925"/>
+            <a:off x="6492904" y="2210540"/>
+            <a:ext cx="4457700" cy="3886200"/>
           </a:xfrm>
           <a:prstGeom prst="rect">
             <a:avLst/>
@@ -7304,7 +7308,7 @@
       </p:sp>
       <p:pic>
         <p:nvPicPr>
-          <p:cNvPr id="4" name="Imagem 3"/>
+          <p:cNvPr id="3" name="Imagem 2"/>
           <p:cNvPicPr>
             <a:picLocks noChangeAspect="1"/>
           </p:cNvPicPr>
@@ -7318,8 +7322,8 @@
         </p:blipFill>
         <p:spPr>
           <a:xfrm>
-            <a:off x="931397" y="2189526"/>
-            <a:ext cx="4265189" cy="4042969"/>
+            <a:off x="1006677" y="1972927"/>
+            <a:ext cx="4882901" cy="4525236"/>
           </a:xfrm>
           <a:prstGeom prst="rect">
             <a:avLst/>
@@ -7328,7 +7332,7 @@
       </p:pic>
       <p:pic>
         <p:nvPicPr>
-          <p:cNvPr id="5" name="Imagem 4"/>
+          <p:cNvPr id="6" name="Imagem 5"/>
           <p:cNvPicPr>
             <a:picLocks noChangeAspect="1"/>
           </p:cNvPicPr>
@@ -7342,8 +7346,8 @@
         </p:blipFill>
         <p:spPr>
           <a:xfrm>
-            <a:off x="6425967" y="1972927"/>
-            <a:ext cx="4657418" cy="4476165"/>
+            <a:off x="6201344" y="1963792"/>
+            <a:ext cx="5065072" cy="4534371"/>
           </a:xfrm>
           <a:prstGeom prst="rect">
             <a:avLst/>
@@ -7411,7 +7415,7 @@
       </p:sp>
       <p:pic>
         <p:nvPicPr>
-          <p:cNvPr id="3" name="Imagem 2"/>
+          <p:cNvPr id="5" name="Imagem 4"/>
           <p:cNvPicPr>
             <a:picLocks noChangeAspect="1"/>
           </p:cNvPicPr>
@@ -7425,8 +7429,8 @@
         </p:blipFill>
         <p:spPr>
           <a:xfrm>
-            <a:off x="6442764" y="2147581"/>
-            <a:ext cx="4242493" cy="4065427"/>
+            <a:off x="796843" y="1952631"/>
+            <a:ext cx="5095637" cy="4504038"/>
           </a:xfrm>
           <a:prstGeom prst="rect">
             <a:avLst/>
@@ -7435,7 +7439,7 @@
       </p:pic>
       <p:pic>
         <p:nvPicPr>
-          <p:cNvPr id="4" name="Imagem 3"/>
+          <p:cNvPr id="6" name="Imagem 5"/>
           <p:cNvPicPr>
             <a:picLocks noChangeAspect="1"/>
           </p:cNvPicPr>
@@ -7449,8 +7453,8 @@
         </p:blipFill>
         <p:spPr>
           <a:xfrm>
-            <a:off x="981512" y="2110011"/>
-            <a:ext cx="4512796" cy="4161720"/>
+            <a:off x="6283355" y="1945885"/>
+            <a:ext cx="5212534" cy="4517529"/>
           </a:xfrm>
           <a:prstGeom prst="rect">
             <a:avLst/>
